--- a/ThuyetTrinh.pptx
+++ b/ThuyetTrinh.pptx
@@ -7723,7 +7723,7 @@
           <a:p>
             <a:fld id="{6C7BA811-8917-4F1D-B22F-E96045BFA4E0}" type="datetimeFigureOut">
               <a:rPr lang="en-US" smtClean="0"/>
-              <a:t>14/05/2023</a:t>
+              <a:t>12/25/2023</a:t>
             </a:fld>
             <a:endParaRPr lang="en-US" dirty="0"/>
           </a:p>
@@ -19907,8 +19907,8 @@
         </p:nvSpPr>
         <p:spPr>
           <a:xfrm>
-            <a:off x="3197256" y="2925217"/>
-            <a:ext cx="5797485" cy="369332"/>
+            <a:off x="3165231" y="2925217"/>
+            <a:ext cx="5861541" cy="369332"/>
           </a:xfrm>
           <a:prstGeom prst="rect">
             <a:avLst/>
@@ -19923,22 +19923,25 @@
           <a:p>
             <a:pPr algn="ctr"/>
             <a:r>
-              <a:rPr lang="vi-VN" b="1">
+              <a:rPr lang="vi-VN" b="1" dirty="0">
                 <a:solidFill>
                   <a:srgbClr val="0070C0"/>
                 </a:solidFill>
                 <a:latin typeface="Arial" panose="020B0604020202020204" pitchFamily="34" charset="0"/>
                 <a:cs typeface="Arial" panose="020B0604020202020204" pitchFamily="34" charset="0"/>
               </a:rPr>
-              <a:t>ĐỒ ÁN TỐT NGHIỆP NGÀNH KHOA HỌC MÁY TÍNH</a:t>
+              <a:t>ĐỒ ÁN TỐT NGHIỆP NGÀNH</a:t>
             </a:r>
-            <a:endParaRPr lang="en-US" b="1">
-              <a:solidFill>
-                <a:srgbClr val="0070C0"/>
-              </a:solidFill>
-              <a:latin typeface="Arial" panose="020B0604020202020204" pitchFamily="34" charset="0"/>
-              <a:cs typeface="Arial" panose="020B0604020202020204" pitchFamily="34" charset="0"/>
-            </a:endParaRPr>
+            <a:r>
+              <a:rPr lang="en-US" b="1" dirty="0">
+                <a:solidFill>
+                  <a:srgbClr val="0070C0"/>
+                </a:solidFill>
+                <a:latin typeface="Arial" panose="020B0604020202020204" pitchFamily="34" charset="0"/>
+                <a:cs typeface="Arial" panose="020B0604020202020204" pitchFamily="34" charset="0"/>
+              </a:rPr>
+              <a:t> KỸ THUẬT PHẦN MỀM</a:t>
+            </a:r>
           </a:p>
         </p:txBody>
       </p:sp>
@@ -19956,8 +19959,8 @@
         </p:nvSpPr>
         <p:spPr>
           <a:xfrm>
-            <a:off x="2143732" y="3481605"/>
-            <a:ext cx="7904535" cy="907941"/>
+            <a:off x="2290426" y="3381022"/>
+            <a:ext cx="7611143" cy="830997"/>
           </a:xfrm>
           <a:prstGeom prst="rect">
             <a:avLst/>
@@ -19965,7 +19968,7 @@
           <a:noFill/>
         </p:spPr>
         <p:txBody>
-          <a:bodyPr wrap="none" rtlCol="0">
+          <a:bodyPr wrap="square" rtlCol="0">
             <a:spAutoFit/>
           </a:bodyPr>
           <a:lstStyle/>
@@ -19976,30 +19979,33 @@
               </a:spcAft>
             </a:pPr>
             <a:r>
-              <a:rPr lang="vi-VN" sz="2400" b="1">
+              <a:rPr lang="vi-VN" sz="2400" b="1" dirty="0">
                 <a:latin typeface="Arial" panose="020B0604020202020204" pitchFamily="34" charset="0"/>
                 <a:cs typeface="Arial" panose="020B0604020202020204" pitchFamily="34" charset="0"/>
               </a:rPr>
-              <a:t>ĐỀ TÀI: XÂY DỰNG WEBSITE BÁN HÀNG TẠP HÓA </a:t>
+              <a:t>ĐỀ TÀI: XÂY DỰNG WEBSITE</a:t>
             </a:r>
-          </a:p>
-          <a:p>
-            <a:pPr algn="ctr">
-              <a:spcAft>
-                <a:spcPts val="600"/>
-              </a:spcAft>
-            </a:pPr>
             <a:r>
-              <a:rPr lang="vi-VN" sz="2400" b="1">
+              <a:rPr lang="en-US" sz="2400" b="1" dirty="0">
                 <a:latin typeface="Arial" panose="020B0604020202020204" pitchFamily="34" charset="0"/>
                 <a:cs typeface="Arial" panose="020B0604020202020204" pitchFamily="34" charset="0"/>
               </a:rPr>
-              <a:t>CÓ GỢI Ý MUA HÀNG SỬ DỤNG TRÍ TUỆ NHÂN TẠO</a:t>
+              <a:t> TH</a:t>
             </a:r>
-            <a:endParaRPr lang="en-US" sz="2400" b="1">
-              <a:latin typeface="Arial" panose="020B0604020202020204" pitchFamily="34" charset="0"/>
-              <a:cs typeface="Arial" panose="020B0604020202020204" pitchFamily="34" charset="0"/>
-            </a:endParaRPr>
+            <a:r>
+              <a:rPr lang="vi-VN" sz="2400" b="1" dirty="0">
+                <a:latin typeface="Arial" panose="020B0604020202020204" pitchFamily="34" charset="0"/>
+                <a:cs typeface="Arial" panose="020B0604020202020204" pitchFamily="34" charset="0"/>
+              </a:rPr>
+              <a:t>Ư</a:t>
+            </a:r>
+            <a:r>
+              <a:rPr lang="en-US" sz="2400" b="1" dirty="0">
+                <a:latin typeface="Arial" panose="020B0604020202020204" pitchFamily="34" charset="0"/>
+                <a:cs typeface="Arial" panose="020B0604020202020204" pitchFamily="34" charset="0"/>
+              </a:rPr>
+              <a:t> VIỆN ĐIỆN TỬ SỬ DỤNG VUEJS, ASP.NET VÀ  MYSQL</a:t>
+            </a:r>
           </a:p>
         </p:txBody>
       </p:sp>
@@ -20018,7 +20024,7 @@
           <p:nvPr>
             <p:extLst>
               <p:ext uri="{D42A27DB-BD31-4B8C-83A1-F6EECF244321}">
-                <p14:modId xmlns:p14="http://schemas.microsoft.com/office/powerpoint/2010/main" val="3473279298"/>
+                <p14:modId xmlns:p14="http://schemas.microsoft.com/office/powerpoint/2010/main" val="407234640"/>
               </p:ext>
             </p:extLst>
           </p:nvPr>
@@ -20105,16 +20111,66 @@
                     <a:lstStyle/>
                     <a:p>
                       <a:r>
-                        <a:rPr lang="vi-VN" b="0">
+                        <a:rPr lang="vi-VN" b="0" dirty="0">
                           <a:solidFill>
                             <a:schemeClr val="tx1"/>
                           </a:solidFill>
                           <a:latin typeface="Arial" panose="020B0604020202020204" pitchFamily="34" charset="0"/>
                           <a:cs typeface="Arial" panose="020B0604020202020204" pitchFamily="34" charset="0"/>
                         </a:rPr>
-                        <a:t>TS. Vũ Việt Thắng</a:t>
+                        <a:t>TS. </a:t>
                       </a:r>
-                      <a:endParaRPr lang="en-US" b="0">
+                      <a:r>
+                        <a:rPr lang="en-US" b="0" dirty="0" err="1">
+                          <a:solidFill>
+                            <a:schemeClr val="tx1"/>
+                          </a:solidFill>
+                          <a:latin typeface="Arial" panose="020B0604020202020204" pitchFamily="34" charset="0"/>
+                          <a:cs typeface="Arial" panose="020B0604020202020204" pitchFamily="34" charset="0"/>
+                        </a:rPr>
+                        <a:t>Trần</a:t>
+                      </a:r>
+                      <a:r>
+                        <a:rPr lang="en-US" b="0" dirty="0">
+                          <a:solidFill>
+                            <a:schemeClr val="tx1"/>
+                          </a:solidFill>
+                          <a:latin typeface="Arial" panose="020B0604020202020204" pitchFamily="34" charset="0"/>
+                          <a:cs typeface="Arial" panose="020B0604020202020204" pitchFamily="34" charset="0"/>
+                        </a:rPr>
+                        <a:t> </a:t>
+                      </a:r>
+                      <a:r>
+                        <a:rPr lang="en-US" b="0" dirty="0" err="1">
+                          <a:solidFill>
+                            <a:schemeClr val="tx1"/>
+                          </a:solidFill>
+                          <a:latin typeface="Arial" panose="020B0604020202020204" pitchFamily="34" charset="0"/>
+                          <a:cs typeface="Arial" panose="020B0604020202020204" pitchFamily="34" charset="0"/>
+                        </a:rPr>
+                        <a:t>Tiến</a:t>
+                      </a:r>
+                      <a:r>
+                        <a:rPr lang="en-US" b="0" dirty="0">
+                          <a:solidFill>
+                            <a:schemeClr val="tx1"/>
+                          </a:solidFill>
+                          <a:latin typeface="Arial" panose="020B0604020202020204" pitchFamily="34" charset="0"/>
+                          <a:cs typeface="Arial" panose="020B0604020202020204" pitchFamily="34" charset="0"/>
+                        </a:rPr>
+                        <a:t> </a:t>
+                      </a:r>
+                      <a:r>
+                        <a:rPr lang="en-US" b="0" dirty="0" err="1">
+                          <a:solidFill>
+                            <a:schemeClr val="tx1"/>
+                          </a:solidFill>
+                          <a:latin typeface="Arial" panose="020B0604020202020204" pitchFamily="34" charset="0"/>
+                          <a:cs typeface="Arial" panose="020B0604020202020204" pitchFamily="34" charset="0"/>
+                        </a:rPr>
+                        <a:t>Dũng</a:t>
+                      </a:r>
+                      <a:endParaRPr lang="en-US" b="0" dirty="0">
                         <a:solidFill>
                           <a:schemeClr val="tx1"/>
                         </a:solidFill>
@@ -20209,22 +20265,35 @@
                     <a:lstStyle/>
                     <a:p>
                       <a:r>
-                        <a:rPr lang="vi-VN">
+                        <a:rPr lang="en-US" dirty="0">
                           <a:solidFill>
                             <a:schemeClr val="tx1"/>
                           </a:solidFill>
                           <a:latin typeface="Arial" panose="020B0604020202020204" pitchFamily="34" charset="0"/>
                           <a:cs typeface="Arial" panose="020B0604020202020204" pitchFamily="34" charset="0"/>
                         </a:rPr>
-                        <a:t>Bùi Mạnh Thắng</a:t>
+                        <a:t>Phạm </a:t>
                       </a:r>
-                      <a:endParaRPr lang="en-US">
-                        <a:solidFill>
-                          <a:schemeClr val="tx1"/>
-                        </a:solidFill>
-                        <a:latin typeface="Arial" panose="020B0604020202020204" pitchFamily="34" charset="0"/>
-                        <a:cs typeface="Arial" panose="020B0604020202020204" pitchFamily="34" charset="0"/>
-                      </a:endParaRPr>
+                      <a:r>
+                        <a:rPr lang="en-US" dirty="0" err="1">
+                          <a:solidFill>
+                            <a:schemeClr val="tx1"/>
+                          </a:solidFill>
+                          <a:latin typeface="Arial" panose="020B0604020202020204" pitchFamily="34" charset="0"/>
+                          <a:cs typeface="Arial" panose="020B0604020202020204" pitchFamily="34" charset="0"/>
+                        </a:rPr>
+                        <a:t>Văn</a:t>
+                      </a:r>
+                      <a:r>
+                        <a:rPr lang="en-US" dirty="0">
+                          <a:solidFill>
+                            <a:schemeClr val="tx1"/>
+                          </a:solidFill>
+                          <a:latin typeface="Arial" panose="020B0604020202020204" pitchFamily="34" charset="0"/>
+                          <a:cs typeface="Arial" panose="020B0604020202020204" pitchFamily="34" charset="0"/>
+                        </a:rPr>
+                        <a:t> Hải</a:t>
+                      </a:r>
                     </a:p>
                   </a:txBody>
                   <a:tcPr>
@@ -20313,22 +20382,25 @@
                     <a:lstStyle/>
                     <a:p>
                       <a:r>
-                        <a:rPr lang="vi-VN">
+                        <a:rPr lang="vi-VN" dirty="0">
                           <a:solidFill>
                             <a:schemeClr val="tx1"/>
                           </a:solidFill>
                           <a:latin typeface="Arial" panose="020B0604020202020204" pitchFamily="34" charset="0"/>
                           <a:cs typeface="Arial" panose="020B0604020202020204" pitchFamily="34" charset="0"/>
                         </a:rPr>
-                        <a:t>2019601338</a:t>
+                        <a:t>201960</a:t>
                       </a:r>
-                      <a:endParaRPr lang="en-US">
-                        <a:solidFill>
-                          <a:schemeClr val="tx1"/>
-                        </a:solidFill>
-                        <a:latin typeface="Arial" panose="020B0604020202020204" pitchFamily="34" charset="0"/>
-                        <a:cs typeface="Arial" panose="020B0604020202020204" pitchFamily="34" charset="0"/>
-                      </a:endParaRPr>
+                      <a:r>
+                        <a:rPr lang="en-US" dirty="0">
+                          <a:solidFill>
+                            <a:schemeClr val="tx1"/>
+                          </a:solidFill>
+                          <a:latin typeface="Arial" panose="020B0604020202020204" pitchFamily="34" charset="0"/>
+                          <a:cs typeface="Arial" panose="020B0604020202020204" pitchFamily="34" charset="0"/>
+                        </a:rPr>
+                        <a:t>6843</a:t>
+                      </a:r>
                     </a:p>
                   </a:txBody>
                   <a:tcPr>
@@ -20417,16 +20489,36 @@
                     <a:lstStyle/>
                     <a:p>
                       <a:r>
-                        <a:rPr lang="vi-VN">
+                        <a:rPr lang="vi-VN" dirty="0">
                           <a:solidFill>
                             <a:schemeClr val="tx1"/>
                           </a:solidFill>
                           <a:latin typeface="Arial" panose="020B0604020202020204" pitchFamily="34" charset="0"/>
                           <a:cs typeface="Arial" panose="020B0604020202020204" pitchFamily="34" charset="0"/>
                         </a:rPr>
-                        <a:t>DHKHMT01 - K14</a:t>
+                        <a:t>DHK</a:t>
                       </a:r>
-                      <a:endParaRPr lang="en-US">
+                      <a:r>
+                        <a:rPr lang="en-US" dirty="0">
+                          <a:solidFill>
+                            <a:schemeClr val="tx1"/>
+                          </a:solidFill>
+                          <a:latin typeface="Arial" panose="020B0604020202020204" pitchFamily="34" charset="0"/>
+                          <a:cs typeface="Arial" panose="020B0604020202020204" pitchFamily="34" charset="0"/>
+                        </a:rPr>
+                        <a:t>TPM</a:t>
+                      </a:r>
+                      <a:r>
+                        <a:rPr lang="vi-VN" dirty="0">
+                          <a:solidFill>
+                            <a:schemeClr val="tx1"/>
+                          </a:solidFill>
+                          <a:latin typeface="Arial" panose="020B0604020202020204" pitchFamily="34" charset="0"/>
+                          <a:cs typeface="Arial" panose="020B0604020202020204" pitchFamily="34" charset="0"/>
+                        </a:rPr>
+                        <a:t>01 - K14</a:t>
+                      </a:r>
+                      <a:endParaRPr lang="en-US" dirty="0">
                         <a:solidFill>
                           <a:schemeClr val="tx1"/>
                         </a:solidFill>
@@ -23113,7 +23205,7 @@
               <a:defRPr/>
             </a:pPr>
             <a:r>
-              <a:rPr lang="vi-VN">
+              <a:rPr lang="vi-VN" dirty="0">
                 <a:solidFill>
                   <a:prstClr val="black">
                     <a:tint val="75000"/>
@@ -23379,13 +23471,191 @@
         </p:nvSpPr>
         <p:spPr/>
         <p:txBody>
-          <a:bodyPr/>
+          <a:bodyPr>
+            <a:normAutofit/>
+          </a:bodyPr>
           <a:lstStyle/>
           <a:p>
             <a:pPr algn="just"/>
             <a:r>
-              <a:rPr lang="vi-VN"/>
-              <a:t>Xây dựng website bán hàng tạp hóa có gợi ý mua hàng sử dụng trí tuệ nhân tạo là việc áp dụng các kiến thức đã tích lũy để phân tích, thiết kế hệ thống; thi công tính năng; kiểm thử. Từ đó có được một website cung cấp các chức năng cần thiết của người mua hàng tạp hóa, người quản trị cửa hàng tạp hóa, đồng thời cung cấp chức năng gợi ý mua hàng sử dụng thuật toán trí tuệ nhân tạo. </a:t>
+              <a:rPr lang="vi-VN" dirty="0"/>
+              <a:t>Xây dựng website </a:t>
+            </a:r>
+            <a:r>
+              <a:rPr lang="en-US" dirty="0" err="1"/>
+              <a:t>Thư</a:t>
+            </a:r>
+            <a:r>
+              <a:rPr lang="en-US" dirty="0"/>
+              <a:t> </a:t>
+            </a:r>
+            <a:r>
+              <a:rPr lang="en-US" dirty="0" err="1"/>
+              <a:t>Viện</a:t>
+            </a:r>
+            <a:r>
+              <a:rPr lang="en-US" dirty="0"/>
+              <a:t> </a:t>
+            </a:r>
+            <a:r>
+              <a:rPr lang="en-US" dirty="0" err="1"/>
+              <a:t>Điện</a:t>
+            </a:r>
+            <a:r>
+              <a:rPr lang="en-US" dirty="0"/>
+              <a:t> </a:t>
+            </a:r>
+            <a:r>
+              <a:rPr lang="en-US" dirty="0" err="1"/>
+              <a:t>Tử</a:t>
+            </a:r>
+            <a:r>
+              <a:rPr lang="en-US" dirty="0"/>
+              <a:t> </a:t>
+            </a:r>
+            <a:r>
+              <a:rPr lang="vi-VN" dirty="0"/>
+              <a:t>là việc áp dụng các kiến thức đã tích lũy để phân tích, thiết kế hệ thống; thi công tính năng; kiểm thử. Từ đó có được một website cung cấp các chức năng</a:t>
+            </a:r>
+            <a:r>
+              <a:rPr lang="en-US" dirty="0"/>
+              <a:t> </a:t>
+            </a:r>
+            <a:r>
+              <a:rPr lang="en-US" dirty="0" err="1"/>
+              <a:t>quản</a:t>
+            </a:r>
+            <a:r>
+              <a:rPr lang="en-US" dirty="0"/>
+              <a:t> </a:t>
+            </a:r>
+            <a:r>
+              <a:rPr lang="en-US" dirty="0" err="1"/>
+              <a:t>trị</a:t>
+            </a:r>
+            <a:r>
+              <a:rPr lang="en-US" dirty="0"/>
+              <a:t>, </a:t>
+            </a:r>
+            <a:r>
+              <a:rPr lang="en-US" dirty="0" err="1"/>
+              <a:t>và</a:t>
+            </a:r>
+            <a:r>
+              <a:rPr lang="en-US" dirty="0"/>
+              <a:t> </a:t>
+            </a:r>
+            <a:r>
+              <a:rPr lang="en-US" dirty="0" err="1"/>
+              <a:t>các</a:t>
+            </a:r>
+            <a:r>
+              <a:rPr lang="en-US" dirty="0"/>
+              <a:t> </a:t>
+            </a:r>
+            <a:r>
+              <a:rPr lang="en-US" dirty="0" err="1"/>
+              <a:t>chức</a:t>
+            </a:r>
+            <a:r>
+              <a:rPr lang="en-US" dirty="0"/>
+              <a:t> </a:t>
+            </a:r>
+            <a:r>
+              <a:rPr lang="en-US" dirty="0" err="1"/>
+              <a:t>năng</a:t>
+            </a:r>
+            <a:r>
+              <a:rPr lang="en-US" dirty="0"/>
+              <a:t> </a:t>
+            </a:r>
+            <a:r>
+              <a:rPr lang="en-US" dirty="0" err="1"/>
+              <a:t>cho</a:t>
+            </a:r>
+            <a:r>
+              <a:rPr lang="en-US" dirty="0"/>
+              <a:t> </a:t>
+            </a:r>
+            <a:r>
+              <a:rPr lang="en-US" dirty="0" err="1"/>
+              <a:t>viê</a:t>
+            </a:r>
+            <a:r>
+              <a:rPr lang="en-US" dirty="0"/>
+              <a:t> </a:t>
+            </a:r>
+            <a:r>
+              <a:rPr lang="en-US" dirty="0" err="1"/>
+              <a:t>cần</a:t>
+            </a:r>
+            <a:r>
+              <a:rPr lang="en-US" dirty="0"/>
+              <a:t> </a:t>
+            </a:r>
+            <a:r>
+              <a:rPr lang="en-US" dirty="0" err="1"/>
+              <a:t>thiết</a:t>
+            </a:r>
+            <a:r>
+              <a:rPr lang="en-US" dirty="0"/>
+              <a:t> </a:t>
+            </a:r>
+            <a:r>
+              <a:rPr lang="en-US" dirty="0" err="1"/>
+              <a:t>cho</a:t>
+            </a:r>
+            <a:r>
+              <a:rPr lang="en-US" dirty="0"/>
+              <a:t> </a:t>
+            </a:r>
+            <a:r>
+              <a:rPr lang="en-US" dirty="0" err="1"/>
+              <a:t>một</a:t>
+            </a:r>
+            <a:r>
+              <a:rPr lang="en-US" dirty="0"/>
+              <a:t> </a:t>
+            </a:r>
+            <a:r>
+              <a:rPr lang="en-US" dirty="0" err="1"/>
+              <a:t>trang</a:t>
+            </a:r>
+            <a:r>
+              <a:rPr lang="en-US" dirty="0"/>
+              <a:t> web </a:t>
+            </a:r>
+            <a:r>
+              <a:rPr lang="en-US" dirty="0" err="1"/>
+              <a:t>đọc</a:t>
+            </a:r>
+            <a:r>
+              <a:rPr lang="en-US" dirty="0"/>
+              <a:t> </a:t>
+            </a:r>
+            <a:r>
+              <a:rPr lang="en-US" dirty="0" err="1"/>
+              <a:t>sách</a:t>
+            </a:r>
+            <a:r>
+              <a:rPr lang="en-US" dirty="0"/>
+              <a:t> </a:t>
+            </a:r>
+            <a:r>
+              <a:rPr lang="en-US" dirty="0" err="1"/>
+              <a:t>trực</a:t>
+            </a:r>
+            <a:r>
+              <a:rPr lang="en-US" dirty="0"/>
+              <a:t> </a:t>
+            </a:r>
+            <a:r>
+              <a:rPr lang="en-US" dirty="0" err="1"/>
+              <a:t>tuyến</a:t>
+            </a:r>
+            <a:r>
+              <a:rPr lang="vi-VN" dirty="0"/>
+              <a:t>. </a:t>
             </a:r>
             <a:endParaRPr lang="en-US" dirty="0"/>
           </a:p>
@@ -30118,6 +30388,15 @@
 </file>
 
 <file path=customXml/item2.xml><?xml version="1.0" encoding="utf-8"?>
+<p:properties xmlns:p="http://schemas.microsoft.com/office/2006/metadata/properties" xmlns:xsi="http://www.w3.org/2001/XMLSchema-instance" xmlns:pc="http://schemas.microsoft.com/office/infopath/2007/PartnerControls">
+  <documentManagement>
+    <Status xmlns="71af3243-3dd4-4a8d-8c0d-dd76da1f02a5">Not started</Status>
+    <MediaServiceKeyPoints xmlns="71af3243-3dd4-4a8d-8c0d-dd76da1f02a5" xsi:nil="true"/>
+  </documentManagement>
+</p:properties>
+</file>
+
+<file path=customXml/item3.xml><?xml version="1.0" encoding="utf-8"?>
 <ct:contentTypeSchema xmlns:ct="http://schemas.microsoft.com/office/2006/metadata/contentType" xmlns:ma="http://schemas.microsoft.com/office/2006/metadata/properties/metaAttributes" ct:_="" ma:_="" ma:contentTypeName="Document" ma:contentTypeID="0x01010079F111ED35F8CC479449609E8A0923A6" ma:contentTypeVersion="12" ma:contentTypeDescription="Create a new document." ma:contentTypeScope="" ma:versionID="426e97fa315356fffbdcd9876fe988c2">
   <xsd:schema xmlns:xsd="http://www.w3.org/2001/XMLSchema" xmlns:xs="http://www.w3.org/2001/XMLSchema" xmlns:p="http://schemas.microsoft.com/office/2006/metadata/properties" xmlns:ns2="71af3243-3dd4-4a8d-8c0d-dd76da1f02a5" xmlns:ns3="16c05727-aa75-4e4a-9b5f-8a80a1165891" targetNamespace="http://schemas.microsoft.com/office/2006/metadata/properties" ma:root="true" ma:fieldsID="14b8f0def80e6d70ce3def20c90759ae" ns2:_="" ns3:_="">
     <xsd:import namespace="71af3243-3dd4-4a8d-8c0d-dd76da1f02a5"/>
@@ -30338,15 +30617,6 @@
 </ct:contentTypeSchema>
 </file>
 
-<file path=customXml/item3.xml><?xml version="1.0" encoding="utf-8"?>
-<p:properties xmlns:p="http://schemas.microsoft.com/office/2006/metadata/properties" xmlns:xsi="http://www.w3.org/2001/XMLSchema-instance" xmlns:pc="http://schemas.microsoft.com/office/infopath/2007/PartnerControls">
-  <documentManagement>
-    <Status xmlns="71af3243-3dd4-4a8d-8c0d-dd76da1f02a5">Not started</Status>
-    <MediaServiceKeyPoints xmlns="71af3243-3dd4-4a8d-8c0d-dd76da1f02a5" xsi:nil="true"/>
-  </documentManagement>
-</p:properties>
-</file>
-
 <file path=customXml/itemProps1.xml><?xml version="1.0" encoding="utf-8"?>
 <ds:datastoreItem xmlns:ds="http://schemas.openxmlformats.org/officeDocument/2006/customXml" ds:itemID="{1A449C04-64B3-4403-94B7-8D2284C38D1B}">
   <ds:schemaRefs>
@@ -30356,6 +30626,16 @@
 </file>
 
 <file path=customXml/itemProps2.xml><?xml version="1.0" encoding="utf-8"?>
+<ds:datastoreItem xmlns:ds="http://schemas.openxmlformats.org/officeDocument/2006/customXml" ds:itemID="{FBDEF148-1770-458F-8F5B-C3D0A278AA97}">
+  <ds:schemaRefs>
+    <ds:schemaRef ds:uri="http://schemas.microsoft.com/office/2006/metadata/properties"/>
+    <ds:schemaRef ds:uri="http://schemas.microsoft.com/office/infopath/2007/PartnerControls"/>
+    <ds:schemaRef ds:uri="71af3243-3dd4-4a8d-8c0d-dd76da1f02a5"/>
+  </ds:schemaRefs>
+</ds:datastoreItem>
+</file>
+
+<file path=customXml/itemProps3.xml><?xml version="1.0" encoding="utf-8"?>
 <ds:datastoreItem xmlns:ds="http://schemas.openxmlformats.org/officeDocument/2006/customXml" ds:itemID="{8413533D-8C39-401E-8B75-B1AEEEC56B93}">
   <ds:schemaRefs>
     <ds:schemaRef ds:uri="http://schemas.microsoft.com/office/2006/metadata/contentType"/>
@@ -30372,14 +30652,4 @@
     <ds:schemaRef ds:uri="http://schemas.microsoft.com/internal/obd"/>
   </ds:schemaRefs>
 </ds:datastoreItem>
-</file>
-
-<file path=customXml/itemProps3.xml><?xml version="1.0" encoding="utf-8"?>
-<ds:datastoreItem xmlns:ds="http://schemas.openxmlformats.org/officeDocument/2006/customXml" ds:itemID="{FBDEF148-1770-458F-8F5B-C3D0A278AA97}">
-  <ds:schemaRefs>
-    <ds:schemaRef ds:uri="http://schemas.microsoft.com/office/2006/metadata/properties"/>
-    <ds:schemaRef ds:uri="http://schemas.microsoft.com/office/infopath/2007/PartnerControls"/>
-    <ds:schemaRef ds:uri="71af3243-3dd4-4a8d-8c0d-dd76da1f02a5"/>
-  </ds:schemaRefs>
-</ds:datastoreItem>
 </file>